--- a/Slides/Lecture09 - Apps and XAML, UWP and Xamarin.Forms.pptx
+++ b/Slides/Lecture09 - Apps and XAML, UWP and Xamarin.Forms.pptx
@@ -356,7 +356,7 @@
               <a:rPr lang="en-US" smtClean="0">
                 <a:latin typeface="Segoe UI" pitchFamily="34" charset="0"/>
               </a:rPr>
-              <a:t>11/7/2018</a:t>
+              <a:t>11/14/2018</a:t>
             </a:fld>
             <a:endParaRPr lang="en-US" dirty="0">
               <a:latin typeface="Segoe UI" pitchFamily="34" charset="0"/>
@@ -679,7 +679,7 @@
             <a:fld id="{D51B1278-D92B-4AF3-A9C1-71DD298190CE}" type="datetimeFigureOut">
               <a:rPr lang="en-US" smtClean="0"/>
               <a:pPr/>
-              <a:t>11/7/2018</a:t>
+              <a:t>11/14/2018</a:t>
             </a:fld>
             <a:endParaRPr lang="en-US" dirty="0"/>
           </a:p>
@@ -1084,7 +1084,7 @@
           <a:p>
             <a:fld id="{8DD77A99-1A6A-460E-B044-101F254CBDFA}" type="datetime1">
               <a:rPr lang="en-US" smtClean="0"/>
-              <a:t>11/7/2018</a:t>
+              <a:t>11/14/2018</a:t>
             </a:fld>
             <a:endParaRPr lang="en-US" dirty="0"/>
           </a:p>
@@ -1287,7 +1287,7 @@
           <a:p>
             <a:fld id="{C231F797-F73C-4372-81BA-0C8A9CF41ACB}" type="datetime1">
               <a:rPr lang="en-US" smtClean="0"/>
-              <a:t>11/7/2018</a:t>
+              <a:t>11/14/2018</a:t>
             </a:fld>
             <a:endParaRPr lang="en-US" dirty="0"/>
           </a:p>
@@ -1490,7 +1490,7 @@
           <a:p>
             <a:fld id="{4A85962E-1DA3-4F20-A53F-A8DE2E9196A7}" type="datetime1">
               <a:rPr lang="en-US" smtClean="0"/>
-              <a:t>11/7/2018</a:t>
+              <a:t>11/14/2018</a:t>
             </a:fld>
             <a:endParaRPr lang="en-US" dirty="0"/>
           </a:p>
@@ -1693,7 +1693,7 @@
           <a:p>
             <a:fld id="{17A7DDD6-8A39-48DD-87CB-0FF3FA7FF0C9}" type="datetime1">
               <a:rPr lang="en-US" smtClean="0"/>
-              <a:t>11/7/2018</a:t>
+              <a:t>11/14/2018</a:t>
             </a:fld>
             <a:endParaRPr lang="en-US" dirty="0"/>
           </a:p>
@@ -1896,7 +1896,7 @@
           <a:p>
             <a:fld id="{DF062C99-8EF8-48B0-A30D-8414CA79391D}" type="datetime1">
               <a:rPr lang="en-US" smtClean="0"/>
-              <a:t>11/7/2018</a:t>
+              <a:t>11/14/2018</a:t>
             </a:fld>
             <a:endParaRPr lang="en-US" dirty="0"/>
           </a:p>
@@ -2099,7 +2099,7 @@
           <a:p>
             <a:fld id="{059CFEBE-5A21-4349-95F2-F5AED3712283}" type="datetime1">
               <a:rPr lang="en-US" smtClean="0"/>
-              <a:t>11/7/2018</a:t>
+              <a:t>11/14/2018</a:t>
             </a:fld>
             <a:endParaRPr lang="en-US" dirty="0"/>
           </a:p>
@@ -2302,7 +2302,7 @@
           <a:p>
             <a:fld id="{916BB470-3220-4268-B50F-38A321B77A26}" type="datetime1">
               <a:rPr lang="en-US" smtClean="0"/>
-              <a:t>11/7/2018</a:t>
+              <a:t>11/14/2018</a:t>
             </a:fld>
             <a:endParaRPr lang="en-US" dirty="0"/>
           </a:p>
@@ -2505,7 +2505,7 @@
           <a:p>
             <a:fld id="{4AA88DF6-34E6-4A58-A445-6B56F1C35C92}" type="datetime1">
               <a:rPr lang="en-US" smtClean="0"/>
-              <a:t>11/7/2018</a:t>
+              <a:t>11/14/2018</a:t>
             </a:fld>
             <a:endParaRPr lang="en-US" dirty="0"/>
           </a:p>
@@ -2708,7 +2708,7 @@
           <a:p>
             <a:fld id="{FD7716EF-AEC7-4A11-8FEC-CB250C713E05}" type="datetime1">
               <a:rPr lang="en-US" smtClean="0"/>
-              <a:t>11/7/2018</a:t>
+              <a:t>11/14/2018</a:t>
             </a:fld>
             <a:endParaRPr lang="en-US" dirty="0"/>
           </a:p>
@@ -2911,7 +2911,7 @@
           <a:p>
             <a:fld id="{F4FDB8BA-1FFF-4D4E-8DF3-3E53DE5B0313}" type="datetime1">
               <a:rPr lang="en-US" smtClean="0"/>
-              <a:t>11/7/2018</a:t>
+              <a:t>11/14/2018</a:t>
             </a:fld>
             <a:endParaRPr lang="en-US" dirty="0"/>
           </a:p>
@@ -3114,7 +3114,7 @@
           <a:p>
             <a:fld id="{91514382-EBEA-4749-9737-5D5CB7CB5221}" type="datetime1">
               <a:rPr lang="en-US" smtClean="0"/>
-              <a:t>11/7/2018</a:t>
+              <a:t>11/14/2018</a:t>
             </a:fld>
             <a:endParaRPr lang="en-US" dirty="0"/>
           </a:p>
@@ -3317,7 +3317,7 @@
           <a:p>
             <a:fld id="{6A62BB04-A46D-404B-9208-0DEB8B76D887}" type="datetime1">
               <a:rPr lang="en-US" smtClean="0"/>
-              <a:t>11/7/2018</a:t>
+              <a:t>11/14/2018</a:t>
             </a:fld>
             <a:endParaRPr lang="en-US" dirty="0"/>
           </a:p>
@@ -3520,7 +3520,7 @@
           <a:p>
             <a:fld id="{C1163C17-E73D-4B13-A287-70CA9277D98D}" type="datetime1">
               <a:rPr lang="en-US" smtClean="0"/>
-              <a:t>11/7/2018</a:t>
+              <a:t>11/14/2018</a:t>
             </a:fld>
             <a:endParaRPr lang="en-US" dirty="0"/>
           </a:p>
@@ -3723,7 +3723,7 @@
           <a:p>
             <a:fld id="{710824B3-DD75-46A6-8376-CCEE663A7640}" type="datetime1">
               <a:rPr lang="en-US" smtClean="0"/>
-              <a:t>11/7/2018</a:t>
+              <a:t>11/14/2018</a:t>
             </a:fld>
             <a:endParaRPr lang="en-US" dirty="0"/>
           </a:p>
@@ -7447,8 +7447,12 @@
           </a:p>
           <a:p>
             <a:r>
+              <a:rPr lang="en-US"/>
+              <a:t>Associate </a:t>
+            </a:r>
+            <a:r>
               <a:rPr lang="en-US" dirty="0"/>
-              <a:t>External Associate Professor</a:t>
+              <a:t>Professor</a:t>
             </a:r>
           </a:p>
           <a:p>
@@ -13869,15 +13873,6 @@
 </file>
 
 <file path=customXml/item1.xml><?xml version="1.0" encoding="utf-8"?>
-<?mso-contentType ?>
-<FormTemplates xmlns="http://schemas.microsoft.com/sharepoint/v3/contenttype/forms">
-  <Display>DocumentLibraryForm</Display>
-  <Edit>DocumentLibraryForm</Edit>
-  <New>DocumentLibraryForm</New>
-</FormTemplates>
-</file>
-
-<file path=customXml/item2.xml><?xml version="1.0" encoding="utf-8"?>
 <ct:contentTypeSchema xmlns:ct="http://schemas.microsoft.com/office/2006/metadata/contentType" xmlns:ma="http://schemas.microsoft.com/office/2006/metadata/properties/metaAttributes" ct:_="" ma:_="" ma:contentTypeName="PresentationsDoc" ma:contentTypeID="0x010100B88FC3ECA26D1C46B3C4C83281D2EB9C003BBE479AF4108146A616B6B5E7069DBC" ma:contentTypeVersion="61" ma:contentTypeDescription="" ma:contentTypeScope="" ma:versionID="72533711bacf991a4680f48ae6b725f9">
   <xsd:schema xmlns:xsd="http://www.w3.org/2001/XMLSchema" xmlns:xs="http://www.w3.org/2001/XMLSchema" xmlns:p="http://schemas.microsoft.com/office/2006/metadata/properties" xmlns:ns2="2295e2e7-0eeb-498e-8716-217bb2ee6ee3" xmlns:ns3="8b529f77-48ab-4581-b468-93f09345b8aa" targetNamespace="http://schemas.microsoft.com/office/2006/metadata/properties" ma:root="true" ma:fieldsID="dde17010d50e6e632f300eac8dfd378e" ns2:_="" ns3:_="">
     <xsd:import namespace="2295e2e7-0eeb-498e-8716-217bb2ee6ee3"/>
@@ -14156,6 +14151,15 @@
 </ct:contentTypeSchema>
 </file>
 
+<file path=customXml/item2.xml><?xml version="1.0" encoding="utf-8"?>
+<?mso-contentType ?>
+<FormTemplates xmlns="http://schemas.microsoft.com/sharepoint/v3/contenttype/forms">
+  <Display>DocumentLibraryForm</Display>
+  <Edit>DocumentLibraryForm</Edit>
+  <New>DocumentLibraryForm</New>
+</FormTemplates>
+</file>
+
 <file path=customXml/item3.xml><?xml version="1.0" encoding="utf-8"?>
 <p:properties xmlns:p="http://schemas.microsoft.com/office/2006/metadata/properties" xmlns:xsi="http://www.w3.org/2001/XMLSchema-instance" xmlns:pc="http://schemas.microsoft.com/office/infopath/2007/PartnerControls">
   <documentManagement>
@@ -14212,14 +14216,6 @@
 </file>
 
 <file path=customXml/itemProps1.xml><?xml version="1.0" encoding="utf-8"?>
-<ds:datastoreItem xmlns:ds="http://schemas.openxmlformats.org/officeDocument/2006/customXml" ds:itemID="{758FDAC0-319D-4A54-8D8E-1D42CB1F8004}">
-  <ds:schemaRefs>
-    <ds:schemaRef ds:uri="http://schemas.microsoft.com/sharepoint/v3/contenttype/forms"/>
-  </ds:schemaRefs>
-</ds:datastoreItem>
-</file>
-
-<file path=customXml/itemProps2.xml><?xml version="1.0" encoding="utf-8"?>
 <ds:datastoreItem xmlns:ds="http://schemas.openxmlformats.org/officeDocument/2006/customXml" ds:itemID="{A4A71FB1-3FB8-468F-9C64-2246CB74C7D9}">
   <ds:schemaRefs>
     <ds:schemaRef ds:uri="http://schemas.microsoft.com/office/2006/metadata/contentType"/>
@@ -14234,6 +14230,14 @@
     <ds:schemaRef ds:uri="http://purl.org/dc/elements/1.1/"/>
     <ds:schemaRef ds:uri="http://purl.org/dc/terms/"/>
     <ds:schemaRef ds:uri="http://schemas.microsoft.com/internal/obd"/>
+  </ds:schemaRefs>
+</ds:datastoreItem>
+</file>
+
+<file path=customXml/itemProps2.xml><?xml version="1.0" encoding="utf-8"?>
+<ds:datastoreItem xmlns:ds="http://schemas.openxmlformats.org/officeDocument/2006/customXml" ds:itemID="{758FDAC0-319D-4A54-8D8E-1D42CB1F8004}">
+  <ds:schemaRefs>
+    <ds:schemaRef ds:uri="http://schemas.microsoft.com/sharepoint/v3/contenttype/forms"/>
   </ds:schemaRefs>
 </ds:datastoreItem>
 </file>
